--- a/Hot Shot Hoops presentation.pptx
+++ b/Hot Shot Hoops presentation.pptx
@@ -13,10 +13,10 @@
     <p:sldId id="261" r:id="rId7"/>
     <p:sldId id="268" r:id="rId8"/>
     <p:sldId id="269" r:id="rId9"/>
-    <p:sldId id="270" r:id="rId10"/>
-    <p:sldId id="271" r:id="rId11"/>
-    <p:sldId id="272" r:id="rId12"/>
-    <p:sldId id="262" r:id="rId13"/>
+    <p:sldId id="262" r:id="rId10"/>
+    <p:sldId id="270" r:id="rId11"/>
+    <p:sldId id="271" r:id="rId12"/>
+    <p:sldId id="272" r:id="rId13"/>
     <p:sldId id="263" r:id="rId14"/>
     <p:sldId id="264" r:id="rId15"/>
     <p:sldId id="267" r:id="rId16"/>
@@ -298,7 +298,7 @@
           <a:p>
             <a:fld id="{6625D812-258D-4B85-A7A9-AF880AB7F832}" type="datetimeFigureOut">
               <a:rPr lang="en-US" smtClean="0"/>
-              <a:t>12/9/17</a:t>
+              <a:t>12/13/17</a:t>
             </a:fld>
             <a:endParaRPr lang="en-US"/>
           </a:p>
@@ -463,7 +463,7 @@
           <a:p>
             <a:fld id="{6625D812-258D-4B85-A7A9-AF880AB7F832}" type="datetimeFigureOut">
               <a:rPr lang="en-US" smtClean="0"/>
-              <a:t>12/9/17</a:t>
+              <a:t>12/13/17</a:t>
             </a:fld>
             <a:endParaRPr lang="en-US"/>
           </a:p>
@@ -638,7 +638,7 @@
           <a:p>
             <a:fld id="{6625D812-258D-4B85-A7A9-AF880AB7F832}" type="datetimeFigureOut">
               <a:rPr lang="en-US" smtClean="0"/>
-              <a:t>12/9/17</a:t>
+              <a:t>12/13/17</a:t>
             </a:fld>
             <a:endParaRPr lang="en-US"/>
           </a:p>
@@ -803,7 +803,7 @@
           <a:p>
             <a:fld id="{6625D812-258D-4B85-A7A9-AF880AB7F832}" type="datetimeFigureOut">
               <a:rPr lang="en-US" smtClean="0"/>
-              <a:t>12/9/17</a:t>
+              <a:t>12/13/17</a:t>
             </a:fld>
             <a:endParaRPr lang="en-US"/>
           </a:p>
@@ -1045,7 +1045,7 @@
           <a:p>
             <a:fld id="{6625D812-258D-4B85-A7A9-AF880AB7F832}" type="datetimeFigureOut">
               <a:rPr lang="en-US" smtClean="0"/>
-              <a:t>12/9/17</a:t>
+              <a:t>12/13/17</a:t>
             </a:fld>
             <a:endParaRPr lang="en-US"/>
           </a:p>
@@ -1309,7 +1309,7 @@
           <a:p>
             <a:fld id="{6625D812-258D-4B85-A7A9-AF880AB7F832}" type="datetimeFigureOut">
               <a:rPr lang="en-US" smtClean="0"/>
-              <a:t>12/9/17</a:t>
+              <a:t>12/13/17</a:t>
             </a:fld>
             <a:endParaRPr lang="en-US"/>
           </a:p>
@@ -1687,7 +1687,7 @@
           <a:p>
             <a:fld id="{6625D812-258D-4B85-A7A9-AF880AB7F832}" type="datetimeFigureOut">
               <a:rPr lang="en-US" smtClean="0"/>
-              <a:t>12/9/17</a:t>
+              <a:t>12/13/17</a:t>
             </a:fld>
             <a:endParaRPr lang="en-US"/>
           </a:p>
@@ -1837,7 +1837,7 @@
           <a:p>
             <a:fld id="{6625D812-258D-4B85-A7A9-AF880AB7F832}" type="datetimeFigureOut">
               <a:rPr lang="en-US" smtClean="0"/>
-              <a:t>12/9/17</a:t>
+              <a:t>12/13/17</a:t>
             </a:fld>
             <a:endParaRPr lang="en-US"/>
           </a:p>
@@ -1927,7 +1927,7 @@
           <a:p>
             <a:fld id="{6625D812-258D-4B85-A7A9-AF880AB7F832}" type="datetimeFigureOut">
               <a:rPr lang="en-US" smtClean="0"/>
-              <a:t>12/9/17</a:t>
+              <a:t>12/13/17</a:t>
             </a:fld>
             <a:endParaRPr lang="en-US"/>
           </a:p>
@@ -2188,7 +2188,7 @@
           <a:p>
             <a:fld id="{6625D812-258D-4B85-A7A9-AF880AB7F832}" type="datetimeFigureOut">
               <a:rPr lang="en-US" smtClean="0"/>
-              <a:t>12/9/17</a:t>
+              <a:t>12/13/17</a:t>
             </a:fld>
             <a:endParaRPr lang="en-US"/>
           </a:p>
@@ -2476,7 +2476,7 @@
           <a:p>
             <a:fld id="{6625D812-258D-4B85-A7A9-AF880AB7F832}" type="datetimeFigureOut">
               <a:rPr lang="en-US" smtClean="0"/>
-              <a:t>12/9/17</a:t>
+              <a:t>12/13/17</a:t>
             </a:fld>
             <a:endParaRPr lang="en-US"/>
           </a:p>
@@ -3247,7 +3247,7 @@
           <a:p>
             <a:fld id="{6625D812-258D-4B85-A7A9-AF880AB7F832}" type="datetimeFigureOut">
               <a:rPr lang="en-US" smtClean="0"/>
-              <a:t>12/9/17</a:t>
+              <a:t>12/13/17</a:t>
             </a:fld>
             <a:endParaRPr lang="en-US"/>
           </a:p>
@@ -3934,7 +3934,7 @@
   <p:timing>
     <p:tnLst>
       <p:par>
-        <p:cTn id="1" dur="indefinite" restart="never" nodeType="tmRoot"/>
+        <p:cTn xmlns:p14="http://schemas.microsoft.com/office/powerpoint/2010/main" id="1" dur="indefinite" restart="never" nodeType="tmRoot"/>
       </p:par>
     </p:tnLst>
   </p:timing>
@@ -3993,23 +3993,28 @@
         </p:nvSpPr>
         <p:spPr/>
         <p:txBody>
-          <a:bodyPr/>
+          <a:bodyPr>
+            <a:normAutofit lnSpcReduction="10000"/>
+          </a:bodyPr>
           <a:lstStyle/>
           <a:p>
             <a:r>
               <a:rPr lang="en-US" dirty="0" smtClean="0"/>
-              <a:t>We also included led lights on each breadboard configuration. They were included to further indicate whether or not a basket was made outside of getting a message. If both led's light up within about three seconds, the basket will count. This was also to show if the program was running correctly. When the PIR sensor is activated the led should light up shortly after. If the led doesn't, the sensor may not have picked up the motion and or the setup may be flawed</a:t>
-            </a:r>
-            <a:r>
-              <a:rPr lang="en-US" dirty="0" smtClean="0"/>
-              <a:t>.</a:t>
+              <a:t>Once the piping portion is completed the devices need to be placed in such a way that both motion sensors can't go off if you miss a basket. In our case one motion sensor was placed on the top of the basket pointing down into the net. The other one was placed on the left bottom side of the backboard directed just under the net. This meant that the likelihood of a miss being counted was sufficiently minimized to get accurate results. </a:t>
             </a:r>
           </a:p>
           <a:p>
             <a:pPr>
               <a:buNone/>
             </a:pPr>
-            <a:endParaRPr lang="en-US" dirty="0" smtClean="0"/>
+            <a:r>
+              <a:rPr lang="en-US" dirty="0" smtClean="0"/>
+              <a:t/>
+            </a:r>
+            <a:br>
+              <a:rPr lang="en-US" dirty="0" smtClean="0"/>
+            </a:br>
+            <a:endParaRPr lang="en-US" dirty="0"/>
           </a:p>
         </p:txBody>
       </p:sp>
@@ -4021,7 +4026,7 @@
   <p:timing>
     <p:tnLst>
       <p:par>
-        <p:cTn id="1" dur="indefinite" restart="never" nodeType="tmRoot"/>
+        <p:cTn xmlns:p14="http://schemas.microsoft.com/office/powerpoint/2010/main" id="1" dur="indefinite" restart="never" nodeType="tmRoot"/>
       </p:par>
     </p:tnLst>
   </p:timing>
@@ -4060,33 +4065,42 @@
           <a:bodyPr/>
           <a:lstStyle/>
           <a:p>
-            <a:endParaRPr lang="en-US"/>
-          </a:p>
-        </p:txBody>
-      </p:sp>
-      <p:pic>
-        <p:nvPicPr>
-          <p:cNvPr id="4" name="Content Placeholder 3" descr="img_21561_WNS7P2GK1K.jpg"/>
-          <p:cNvPicPr>
-            <a:picLocks noGrp="1" noChangeAspect="1"/>
-          </p:cNvPicPr>
+            <a:r>
+              <a:rPr lang="en-US" dirty="0" smtClean="0"/>
+              <a:t>Accurate Results</a:t>
+            </a:r>
+            <a:endParaRPr lang="en-US" dirty="0"/>
+          </a:p>
+        </p:txBody>
+      </p:sp>
+      <p:sp>
+        <p:nvSpPr>
+          <p:cNvPr id="3" name="Content Placeholder 2"/>
+          <p:cNvSpPr>
+            <a:spLocks noGrp="1"/>
+          </p:cNvSpPr>
           <p:nvPr>
             <p:ph idx="1"/>
           </p:nvPr>
-        </p:nvPicPr>
-        <p:blipFill>
-          <a:blip r:embed="rId2"/>
-          <a:stretch>
-            <a:fillRect/>
-          </a:stretch>
-        </p:blipFill>
-        <p:spPr>
-          <a:xfrm>
-            <a:off x="914400" y="762001"/>
-            <a:ext cx="7467600" cy="5562600"/>
-          </a:xfrm>
-        </p:spPr>
-      </p:pic>
+        </p:nvSpPr>
+        <p:spPr/>
+        <p:txBody>
+          <a:bodyPr/>
+          <a:lstStyle/>
+          <a:p>
+            <a:r>
+              <a:rPr lang="en-US" dirty="0" smtClean="0"/>
+              <a:t>We also included led lights on each breadboard configuration. They were included to further indicate whether or not a basket was made outside of getting a message. If both led's light up within about three seconds, the basket will count. This was also to show if the program was running correctly. When the PIR sensor is activated the led should light up shortly after. If the led doesn't, the sensor may not have picked up the motion and or the setup may be flawed.</a:t>
+            </a:r>
+          </a:p>
+          <a:p>
+            <a:pPr>
+              <a:buNone/>
+            </a:pPr>
+            <a:endParaRPr lang="en-US" dirty="0" smtClean="0"/>
+          </a:p>
+        </p:txBody>
+      </p:sp>
     </p:spTree>
   </p:cSld>
   <p:clrMapOvr>
@@ -4095,7 +4109,7 @@
   <p:timing>
     <p:tnLst>
       <p:par>
-        <p:cTn id="1" dur="indefinite" restart="never" nodeType="tmRoot"/>
+        <p:cTn xmlns:p14="http://schemas.microsoft.com/office/powerpoint/2010/main" id="1" dur="indefinite" restart="never" nodeType="tmRoot"/>
       </p:par>
     </p:tnLst>
   </p:timing>
@@ -4134,17 +4148,13 @@
           <a:bodyPr/>
           <a:lstStyle/>
           <a:p>
-            <a:r>
-              <a:rPr lang="en-US" dirty="0" smtClean="0"/>
-              <a:t>PIR MOTION SENSOR</a:t>
-            </a:r>
-            <a:endParaRPr lang="en-US" dirty="0"/>
+            <a:endParaRPr lang="en-US"/>
           </a:p>
         </p:txBody>
       </p:sp>
       <p:pic>
         <p:nvPicPr>
-          <p:cNvPr id="4" name="Content Placeholder 3" descr="img_21601_5M1I8CXp9Y.jpg"/>
+          <p:cNvPr id="4" name="Content Placeholder 3" descr="img_21561_WNS7P2GK1K.jpg"/>
           <p:cNvPicPr>
             <a:picLocks noGrp="1" noChangeAspect="1"/>
           </p:cNvPicPr>
@@ -4160,8 +4170,8 @@
         </p:blipFill>
         <p:spPr>
           <a:xfrm>
-            <a:off x="2209799" y="1935163"/>
-            <a:ext cx="4038601" cy="4389437"/>
+            <a:off x="304800" y="307910"/>
+            <a:ext cx="8610600" cy="6016690"/>
           </a:xfrm>
         </p:spPr>
       </p:pic>
@@ -4173,7 +4183,7 @@
   <p:timing>
     <p:tnLst>
       <p:par>
-        <p:cTn id="1" dur="indefinite" restart="never" nodeType="tmRoot"/>
+        <p:cTn xmlns:p14="http://schemas.microsoft.com/office/powerpoint/2010/main" id="1" dur="indefinite" restart="never" nodeType="tmRoot"/>
       </p:par>
     </p:tnLst>
   </p:timing>
@@ -4251,7 +4261,7 @@
   <p:timing>
     <p:tnLst>
       <p:par>
-        <p:cTn id="1" dur="indefinite" restart="never" nodeType="tmRoot"/>
+        <p:cTn xmlns:p14="http://schemas.microsoft.com/office/powerpoint/2010/main" id="1" dur="indefinite" restart="never" nodeType="tmRoot"/>
       </p:par>
     </p:tnLst>
   </p:timing>
@@ -4329,7 +4339,7 @@
   <p:timing>
     <p:tnLst>
       <p:par>
-        <p:cTn id="1" dur="indefinite" restart="never" nodeType="tmRoot"/>
+        <p:cTn xmlns:p14="http://schemas.microsoft.com/office/powerpoint/2010/main" id="1" dur="indefinite" restart="never" nodeType="tmRoot"/>
       </p:par>
     </p:tnLst>
   </p:timing>
@@ -4401,11 +4411,7 @@
           <a:p>
             <a:r>
               <a:rPr lang="en-US" dirty="0" smtClean="0"/>
-              <a:t>Short for “If This, Then That,” IFTTT is an easy way to automate tasks that might otherwise be repetitive or unable to talk to each other. It works like this: users are guided through a process to make simple scripts, aka “recipes,” where some type of event in one device or service automatically triggers an action in another. IFTTT is also completely free, and well supported. There are now more than 300 channels — which are what you reference when creating recipes — spread across a range of devices and services, including social networks, smart appliances, smart home systems, and devices such as weather stations, audio systems, and </a:t>
-            </a:r>
-            <a:r>
-              <a:rPr lang="en-US" dirty="0" smtClean="0"/>
-              <a:t>wearable's.</a:t>
+              <a:t>Short for “If This, Then That,” IFTTT is an easy way to automate tasks that might otherwise be repetitive or unable to talk to each other. It works like this: users are guided through a process to make simple scripts, aka “recipes,” where some type of event in one device or service automatically triggers an action in another. IFTTT is also completely free, and well supported. There are now more than 300 channels — which are what you reference when creating recipes — spread across a range of devices and services, including social networks, smart appliances, smart home systems, and devices such as weather stations, audio systems, and wearable's.</a:t>
             </a:r>
           </a:p>
           <a:p>
@@ -4425,7 +4431,7 @@
   <p:timing>
     <p:tnLst>
       <p:par>
-        <p:cTn id="1" dur="indefinite" restart="never" nodeType="tmRoot"/>
+        <p:cTn xmlns:p14="http://schemas.microsoft.com/office/powerpoint/2010/main" id="1" dur="indefinite" restart="never" nodeType="tmRoot"/>
       </p:par>
     </p:tnLst>
   </p:timing>
@@ -4503,7 +4509,7 @@
   <p:timing>
     <p:tnLst>
       <p:par>
-        <p:cTn id="1" dur="indefinite" restart="never" nodeType="tmRoot"/>
+        <p:cTn xmlns:p14="http://schemas.microsoft.com/office/powerpoint/2010/main" id="1" dur="indefinite" restart="never" nodeType="tmRoot"/>
       </p:par>
     </p:tnLst>
   </p:timing>
@@ -4581,7 +4587,7 @@
   <p:timing>
     <p:tnLst>
       <p:par>
-        <p:cTn id="1" dur="indefinite" restart="never" nodeType="tmRoot"/>
+        <p:cTn xmlns:p14="http://schemas.microsoft.com/office/powerpoint/2010/main" id="1" dur="indefinite" restart="never" nodeType="tmRoot"/>
       </p:par>
     </p:tnLst>
   </p:timing>
@@ -4645,23 +4651,13 @@
           <a:p>
             <a:r>
               <a:rPr lang="en-US" dirty="0" smtClean="0"/>
-              <a:t>Source </a:t>
-            </a:r>
-            <a:r>
-              <a:rPr lang="en-US" dirty="0" smtClean="0"/>
-              <a:t>- </a:t>
+              <a:t>Source - </a:t>
             </a:r>
             <a:r>
               <a:rPr lang="en-US" dirty="0" smtClean="0">
                 <a:hlinkClick r:id="rId2"/>
               </a:rPr>
-              <a:t>https://particle.hackster.io/iot-basketball/hot-shot-hoops-539e3e?ref=channel&amp;ref_id=286_trending___&amp;</a:t>
-            </a:r>
-            <a:r>
-              <a:rPr lang="en-US" dirty="0" smtClean="0">
-                <a:hlinkClick r:id="rId2"/>
-              </a:rPr>
-              <a:t>offset=77</a:t>
+              <a:t>https://particle.hackster.io/iot-basketball/hot-shot-hoops-539e3e?ref=channel&amp;ref_id=286_trending___&amp;offset=77</a:t>
             </a:r>
             <a:endParaRPr lang="en-US" dirty="0" smtClean="0"/>
           </a:p>
@@ -4682,7 +4678,7 @@
   <p:timing>
     <p:tnLst>
       <p:par>
-        <p:cTn id="1" dur="indefinite" restart="never" nodeType="tmRoot"/>
+        <p:cTn xmlns:p14="http://schemas.microsoft.com/office/powerpoint/2010/main" id="1" dur="indefinite" restart="never" nodeType="tmRoot"/>
       </p:par>
     </p:tnLst>
   </p:timing>
@@ -4756,7 +4752,7 @@
   <p:timing>
     <p:tnLst>
       <p:par>
-        <p:cTn id="1" dur="indefinite" restart="never" nodeType="tmRoot"/>
+        <p:cTn xmlns:p14="http://schemas.microsoft.com/office/powerpoint/2010/main" id="1" dur="indefinite" restart="never" nodeType="tmRoot"/>
       </p:par>
     </p:tnLst>
   </p:timing>
@@ -4820,19 +4816,7 @@
           <a:p>
             <a:r>
               <a:rPr lang="en-US" dirty="0" smtClean="0"/>
-              <a:t>For all the people out there who love the sport of basketball, keeping track of all the </a:t>
-            </a:r>
-            <a:r>
-              <a:rPr lang="en-US" dirty="0" smtClean="0"/>
-              <a:t>shots made </a:t>
-            </a:r>
-            <a:r>
-              <a:rPr lang="en-US" dirty="0" smtClean="0"/>
-              <a:t>can be a real hassle</a:t>
-            </a:r>
-            <a:r>
-              <a:rPr lang="en-US" dirty="0" smtClean="0"/>
-              <a:t>. You wonder why </a:t>
+              <a:t>For all the people out there who love the sport of basketball, keeping track of all the shots made can be a real hassle. You wonder why </a:t>
             </a:r>
             <a:r>
               <a:rPr lang="en-US" dirty="0" err="1" smtClean="0"/>
@@ -4862,7 +4846,7 @@
   <p:timing>
     <p:tnLst>
       <p:par>
-        <p:cTn id="1" dur="indefinite" restart="never" nodeType="tmRoot"/>
+        <p:cTn xmlns:p14="http://schemas.microsoft.com/office/powerpoint/2010/main" id="1" dur="indefinite" restart="never" nodeType="tmRoot"/>
       </p:par>
     </p:tnLst>
   </p:timing>
@@ -4926,29 +4910,23 @@
           <a:p>
             <a:r>
               <a:rPr lang="en-US" dirty="0" smtClean="0"/>
-              <a:t>Our project </a:t>
-            </a:r>
+              <a:t>Hotshot Hoops IOT Device</a:t>
+            </a:r>
+          </a:p>
+          <a:p>
             <a:r>
               <a:rPr lang="en-US" dirty="0" smtClean="0"/>
-              <a:t>allows someone to easily measure and keep track of baskets made in an accurate way. With just two photons, two power sources and two PIR sensors, the score will never be forgotten again</a:t>
+              <a:t>Our </a:t>
             </a:r>
             <a:r>
               <a:rPr lang="en-US" dirty="0" smtClean="0"/>
-              <a:t>.</a:t>
+              <a:t>project allows someone to easily measure and keep track of baskets made in an accurate way. With just two photons, two power sources and two PIR sensors, the score will never be forgotten again.</a:t>
             </a:r>
           </a:p>
           <a:p>
             <a:r>
               <a:rPr lang="en-US" dirty="0" smtClean="0"/>
-              <a:t>Our</a:t>
-            </a:r>
-            <a:r>
-              <a:rPr lang="en-US" dirty="0" smtClean="0"/>
-              <a:t> score keeper is as user friendly </a:t>
-            </a:r>
-            <a:r>
-              <a:rPr lang="en-US" dirty="0" smtClean="0"/>
-              <a:t>as it gets. You don’t really need to do much, it automatically tracks the number of baskets made and display’s the result on a Google sheet, your mobile device or multiple other platforms if you require.</a:t>
+              <a:t>Our score keeper is as user friendly as it gets. You don’t really need to do much, it automatically tracks the number of baskets made and display’s the result on a Google sheet, your mobile device or multiple other platforms if you require.</a:t>
             </a:r>
             <a:endParaRPr lang="en-US" dirty="0"/>
           </a:p>
@@ -4962,7 +4940,7 @@
   <p:timing>
     <p:tnLst>
       <p:par>
-        <p:cTn id="1" dur="indefinite" restart="never" nodeType="tmRoot"/>
+        <p:cTn xmlns:p14="http://schemas.microsoft.com/office/powerpoint/2010/main" id="1" dur="indefinite" restart="never" nodeType="tmRoot"/>
       </p:par>
     </p:tnLst>
   </p:timing>
@@ -5052,7 +5030,7 @@
   <p:timing>
     <p:tnLst>
       <p:par>
-        <p:cTn id="1" dur="indefinite" restart="never" nodeType="tmRoot"/>
+        <p:cTn xmlns:p14="http://schemas.microsoft.com/office/powerpoint/2010/main" id="1" dur="indefinite" restart="never" nodeType="tmRoot"/>
       </p:par>
     </p:tnLst>
   </p:timing>
@@ -5093,7 +5071,7 @@
           <a:p>
             <a:r>
               <a:rPr lang="en-US" dirty="0" smtClean="0"/>
-              <a:t>Market Research</a:t>
+              <a:t>Market Research/Scalability</a:t>
             </a:r>
             <a:endParaRPr lang="en-US" dirty="0"/>
           </a:p>
@@ -5120,23 +5098,14 @@
               <a:rPr lang="en-US" sz="3400" dirty="0" smtClean="0"/>
               <a:t>15.5 million people play casual/pick-up basketball. 4.1 million play in organized leagues. 5.8 million play on a school or college team. More people play basketball in the U.S. than any sport.</a:t>
             </a:r>
+          </a:p>
+          <a:p>
             <a:endParaRPr lang="en-US" sz="3400" dirty="0" smtClean="0"/>
           </a:p>
           <a:p>
-            <a:endParaRPr lang="en-US" sz="3400" dirty="0" smtClean="0"/>
-          </a:p>
-          <a:p>
             <a:r>
               <a:rPr lang="en-US" sz="3400" dirty="0" smtClean="0"/>
-              <a:t>It </a:t>
-            </a:r>
-            <a:r>
-              <a:rPr lang="en-US" sz="3400" dirty="0" smtClean="0"/>
-              <a:t>is roughly stated that there are over 600,000 consumer basketball hoops sold every year. </a:t>
-            </a:r>
-            <a:r>
-              <a:rPr lang="en-US" sz="3400" dirty="0" smtClean="0"/>
-              <a:t>!</a:t>
+              <a:t>It is roughly stated that there are over 600,000 consumer basketball hoops sold every year. !</a:t>
             </a:r>
           </a:p>
           <a:p>
@@ -5185,13 +5154,7 @@
               <a:rPr lang="en-US" dirty="0" smtClean="0">
                 <a:hlinkClick r:id="rId2"/>
               </a:rPr>
-              <a:t>http://www.simple-simple.org/Q/05/13/how-many-basketball-hoops-are-sold-each-year</a:t>
-            </a:r>
-            <a:r>
-              <a:rPr lang="en-US" dirty="0" smtClean="0">
-                <a:hlinkClick r:id="rId2"/>
-              </a:rPr>
-              <a:t>/</a:t>
+              <a:t>http://www.simple-simple.org/Q/05/13/how-many-basketball-hoops-are-sold-each-year/</a:t>
             </a:r>
             <a:endParaRPr lang="en-US" dirty="0" smtClean="0"/>
           </a:p>
@@ -5215,7 +5178,7 @@
   <p:timing>
     <p:tnLst>
       <p:par>
-        <p:cTn id="1" dur="indefinite" restart="never" nodeType="tmRoot"/>
+        <p:cTn xmlns:p14="http://schemas.microsoft.com/office/powerpoint/2010/main" id="1" dur="indefinite" restart="never" nodeType="tmRoot"/>
       </p:par>
     </p:tnLst>
   </p:timing>
@@ -5281,33 +5244,13 @@
           <a:p>
             <a:r>
               <a:rPr lang="en-US" sz="3200" dirty="0" smtClean="0"/>
-              <a:t>Just </a:t>
-            </a:r>
+              <a:t>Just two photons, two power sources and two PIR sensors, the score will never be forgotten again. ( For Demo only one photon, one power source and one Pir Motion sensor is used).</a:t>
+            </a:r>
+          </a:p>
+          <a:p>
             <a:r>
               <a:rPr lang="en-US" sz="3200" dirty="0" smtClean="0"/>
-              <a:t>two photons, two power sources and two PIR sensors, the score will never be forgotten again</a:t>
-            </a:r>
-            <a:r>
-              <a:rPr lang="en-US" sz="3200" dirty="0" smtClean="0"/>
-              <a:t>. ( For Demo only one photon, one </a:t>
-            </a:r>
-            <a:r>
-              <a:rPr lang="en-US" sz="3200" dirty="0" smtClean="0"/>
-              <a:t>power </a:t>
-            </a:r>
-            <a:r>
-              <a:rPr lang="en-US" sz="3200" dirty="0" smtClean="0"/>
-              <a:t>source and one Pir Motion sensor is used).</a:t>
-            </a:r>
-          </a:p>
-          <a:p>
-            <a:r>
-              <a:rPr lang="en-US" sz="3200" dirty="0" smtClean="0"/>
-              <a:t>The </a:t>
-            </a:r>
-            <a:r>
-              <a:rPr lang="en-US" sz="3200" dirty="0" smtClean="0"/>
-              <a:t>PIR sensors have a wide range of few, which will mess with results if it is not corrected</a:t>
+              <a:t>The PIR sensors have a wide range of few, which will mess with results if it is not corrected</a:t>
             </a:r>
           </a:p>
           <a:p>
@@ -5326,7 +5269,7 @@
   <p:timing>
     <p:tnLst>
       <p:par>
-        <p:cTn id="1" dur="indefinite" restart="never" nodeType="tmRoot"/>
+        <p:cTn xmlns:p14="http://schemas.microsoft.com/office/powerpoint/2010/main" id="1" dur="indefinite" restart="never" nodeType="tmRoot"/>
       </p:par>
     </p:tnLst>
   </p:timing>
@@ -5412,7 +5355,7 @@
   <p:timing>
     <p:tnLst>
       <p:par>
-        <p:cTn id="1" dur="indefinite" restart="never" nodeType="tmRoot"/>
+        <p:cTn xmlns:p14="http://schemas.microsoft.com/office/powerpoint/2010/main" id="1" dur="indefinite" restart="never" nodeType="tmRoot"/>
       </p:par>
     </p:tnLst>
   </p:timing>
@@ -5472,39 +5415,25 @@
         <p:spPr/>
         <p:txBody>
           <a:bodyPr>
-            <a:normAutofit lnSpcReduction="10000"/>
+            <a:normAutofit fontScale="92500" lnSpcReduction="10000"/>
           </a:bodyPr>
           <a:lstStyle/>
           <a:p>
             <a:r>
               <a:rPr lang="en-US" dirty="0" smtClean="0"/>
-              <a:t> to correct this problem we facilitated the use of PVC piping. We cut out a small portion of the piping and taped it onto the breadboard of the PIR sensor. This limited it's view and allowed for accurate sensing in a singular </a:t>
-            </a:r>
+              <a:t> to correct this problem we facilitated the use of PVC piping. We cut out a small portion of the piping and taped it onto the breadboard of the PIR sensor. This limited it's view and allowed for accurate sensing in a singular direction .It also made sure the Sensor is not hit by heavy snow or rain. </a:t>
+            </a:r>
+          </a:p>
+          <a:p>
             <a:r>
               <a:rPr lang="en-US" dirty="0" smtClean="0"/>
-              <a:t>direction .It also made sure the Sensor is not hit by heavy snow or rain. </a:t>
-            </a:r>
-          </a:p>
-          <a:p>
-            <a:r>
-              <a:rPr lang="en-US" dirty="0" smtClean="0"/>
-              <a:t>Source Pir</a:t>
-            </a:r>
-            <a:r>
-              <a:rPr lang="en-US" dirty="0" smtClean="0"/>
-              <a:t> Sensor - </a:t>
+              <a:t>Source Pir Sensor - </a:t>
             </a:r>
             <a:r>
               <a:rPr lang="en-US" dirty="0" smtClean="0">
                 <a:hlinkClick r:id="rId2"/>
               </a:rPr>
-              <a:t>https://</a:t>
-            </a:r>
-            <a:r>
-              <a:rPr lang="en-US" dirty="0" smtClean="0">
-                <a:hlinkClick r:id="rId2"/>
-              </a:rPr>
-              <a:t>learn.adafruit.com/pir-passive-infrared-proximity-motion-sensor?view=all</a:t>
+              <a:t>https://learn.adafruit.com/pir-passive-infrared-proximity-motion-sensor?view=all</a:t>
             </a:r>
             <a:endParaRPr lang="en-US" dirty="0" smtClean="0"/>
           </a:p>
@@ -5525,7 +5454,7 @@
   <p:timing>
     <p:tnLst>
       <p:par>
-        <p:cTn id="1" dur="indefinite" restart="never" nodeType="tmRoot"/>
+        <p:cTn xmlns:p14="http://schemas.microsoft.com/office/powerpoint/2010/main" id="1" dur="indefinite" restart="never" nodeType="tmRoot"/>
       </p:par>
     </p:tnLst>
   </p:timing>
@@ -5566,56 +5495,35 @@
           <a:p>
             <a:r>
               <a:rPr lang="en-US" dirty="0" smtClean="0"/>
-              <a:t>Accurate Results</a:t>
+              <a:t>PIR MOTION SENSOR</a:t>
             </a:r>
             <a:endParaRPr lang="en-US" dirty="0"/>
           </a:p>
         </p:txBody>
       </p:sp>
-      <p:sp>
-        <p:nvSpPr>
-          <p:cNvPr id="3" name="Content Placeholder 2"/>
-          <p:cNvSpPr>
-            <a:spLocks noGrp="1"/>
-          </p:cNvSpPr>
+      <p:pic>
+        <p:nvPicPr>
+          <p:cNvPr id="4" name="Content Placeholder 3" descr="img_21601_5M1I8CXp9Y.jpg"/>
+          <p:cNvPicPr>
+            <a:picLocks noGrp="1" noChangeAspect="1"/>
+          </p:cNvPicPr>
           <p:nvPr>
             <p:ph idx="1"/>
           </p:nvPr>
-        </p:nvSpPr>
-        <p:spPr/>
-        <p:txBody>
-          <a:bodyPr>
-            <a:normAutofit fontScale="92500" lnSpcReduction="10000"/>
-          </a:bodyPr>
-          <a:lstStyle/>
-          <a:p>
-            <a:r>
-              <a:rPr lang="en-US" dirty="0" smtClean="0"/>
-              <a:t>Once the piping portion is completed the devices need to be placed in such a way that both motion sensors can't go off if you miss a basket. In our case one motion sensor was placed on the top of the basket pointing down into the net. The other one was placed on the left bottom side of the backboard directed just under the net. This meant that the likelihood of a miss being counted was sufficiently minimized to get accurate results. Below are pictures illustrating the sensor setups</a:t>
-            </a:r>
-            <a:r>
-              <a:rPr lang="en-US" dirty="0" smtClean="0"/>
-              <a:t>.</a:t>
-            </a:r>
-          </a:p>
-          <a:p>
-            <a:endParaRPr lang="en-US" dirty="0" smtClean="0"/>
-          </a:p>
-          <a:p>
-            <a:pPr>
-              <a:buNone/>
-            </a:pPr>
-            <a:r>
-              <a:rPr lang="en-US" dirty="0" smtClean="0"/>
-              <a:t/>
-            </a:r>
-            <a:br>
-              <a:rPr lang="en-US" dirty="0" smtClean="0"/>
-            </a:br>
-            <a:endParaRPr lang="en-US" dirty="0"/>
-          </a:p>
-        </p:txBody>
-      </p:sp>
+        </p:nvPicPr>
+        <p:blipFill>
+          <a:blip r:embed="rId2"/>
+          <a:stretch>
+            <a:fillRect/>
+          </a:stretch>
+        </p:blipFill>
+        <p:spPr>
+          <a:xfrm>
+            <a:off x="2209799" y="1935163"/>
+            <a:ext cx="4038601" cy="4389437"/>
+          </a:xfrm>
+        </p:spPr>
+      </p:pic>
     </p:spTree>
   </p:cSld>
   <p:clrMapOvr>
@@ -5624,7 +5532,7 @@
   <p:timing>
     <p:tnLst>
       <p:par>
-        <p:cTn id="1" dur="indefinite" restart="never" nodeType="tmRoot"/>
+        <p:cTn xmlns:p14="http://schemas.microsoft.com/office/powerpoint/2010/main" id="1" dur="indefinite" restart="never" nodeType="tmRoot"/>
       </p:par>
     </p:tnLst>
   </p:timing>
